--- a/AWSCLI.pptx
+++ b/AWSCLI.pptx
@@ -5,10 +5,10 @@
     <p:sldMasterId id="2147483684" r:id="rId4"/>
   </p:sldMasterIdLst>
   <p:notesMasterIdLst>
-    <p:notesMasterId r:id="rId17"/>
+    <p:notesMasterId r:id="rId18"/>
   </p:notesMasterIdLst>
   <p:handoutMasterIdLst>
-    <p:handoutMasterId r:id="rId18"/>
+    <p:handoutMasterId r:id="rId19"/>
   </p:handoutMasterIdLst>
   <p:sldIdLst>
     <p:sldId id="299" r:id="rId5"/>
@@ -22,7 +22,8 @@
     <p:sldId id="344" r:id="rId13"/>
     <p:sldId id="345" r:id="rId14"/>
     <p:sldId id="341" r:id="rId15"/>
-    <p:sldId id="271" r:id="rId16"/>
+    <p:sldId id="349" r:id="rId16"/>
+    <p:sldId id="271" r:id="rId17"/>
   </p:sldIdLst>
   <p:sldSz cx="12192000" cy="6858000"/>
   <p:notesSz cx="6858000" cy="9144000"/>
@@ -1504,6 +1505,54 @@
     </pc:docChg>
   </pc:docChgLst>
   <pc:docChgLst>
+    <pc:chgData name="Tommy Köhler" userId="13abbf2dbdebdc1d" providerId="LiveId" clId="{46038DAE-FFC5-4149-A7CD-E06278ED913A}"/>
+    <pc:docChg chg="custSel addSld modSld sldOrd">
+      <pc:chgData name="Tommy Köhler" userId="13abbf2dbdebdc1d" providerId="LiveId" clId="{46038DAE-FFC5-4149-A7CD-E06278ED913A}" dt="2023-11-09T12:30:27.801" v="21" actId="1076"/>
+      <pc:docMkLst>
+        <pc:docMk/>
+      </pc:docMkLst>
+      <pc:sldChg chg="addSp delSp modSp add mod ord modNotesTx">
+        <pc:chgData name="Tommy Köhler" userId="13abbf2dbdebdc1d" providerId="LiveId" clId="{46038DAE-FFC5-4149-A7CD-E06278ED913A}" dt="2023-11-09T12:30:27.801" v="21" actId="1076"/>
+        <pc:sldMkLst>
+          <pc:docMk/>
+          <pc:sldMk cId="71559873" sldId="349"/>
+        </pc:sldMkLst>
+        <pc:spChg chg="mod">
+          <ac:chgData name="Tommy Köhler" userId="13abbf2dbdebdc1d" providerId="LiveId" clId="{46038DAE-FFC5-4149-A7CD-E06278ED913A}" dt="2023-11-09T12:28:39.423" v="9" actId="20577"/>
+          <ac:spMkLst>
+            <pc:docMk/>
+            <pc:sldMk cId="71559873" sldId="349"/>
+            <ac:spMk id="2" creationId="{825D129C-A6AB-4D53-AD31-B3843FB261CA}"/>
+          </ac:spMkLst>
+        </pc:spChg>
+        <pc:spChg chg="del">
+          <ac:chgData name="Tommy Köhler" userId="13abbf2dbdebdc1d" providerId="LiveId" clId="{46038DAE-FFC5-4149-A7CD-E06278ED913A}" dt="2023-11-09T12:28:42.292" v="10" actId="478"/>
+          <ac:spMkLst>
+            <pc:docMk/>
+            <pc:sldMk cId="71559873" sldId="349"/>
+            <ac:spMk id="3" creationId="{021119A0-A96A-42B3-9AC4-9A31176F4006}"/>
+          </ac:spMkLst>
+        </pc:spChg>
+        <pc:spChg chg="add del mod">
+          <ac:chgData name="Tommy Köhler" userId="13abbf2dbdebdc1d" providerId="LiveId" clId="{46038DAE-FFC5-4149-A7CD-E06278ED913A}" dt="2023-11-09T12:28:48.048" v="12" actId="478"/>
+          <ac:spMkLst>
+            <pc:docMk/>
+            <pc:sldMk cId="71559873" sldId="349"/>
+            <ac:spMk id="10" creationId="{E75046A8-3030-6CDA-EA95-675C1501B626}"/>
+          </ac:spMkLst>
+        </pc:spChg>
+        <pc:picChg chg="add mod">
+          <ac:chgData name="Tommy Köhler" userId="13abbf2dbdebdc1d" providerId="LiveId" clId="{46038DAE-FFC5-4149-A7CD-E06278ED913A}" dt="2023-11-09T12:30:27.801" v="21" actId="1076"/>
+          <ac:picMkLst>
+            <pc:docMk/>
+            <pc:sldMk cId="71559873" sldId="349"/>
+            <ac:picMk id="8" creationId="{B3B0E579-A214-428F-9548-B3A9B5E3F446}"/>
+          </ac:picMkLst>
+        </pc:picChg>
+      </pc:sldChg>
+    </pc:docChg>
+  </pc:docChgLst>
+  <pc:docChgLst>
     <pc:chgData name="Tommy Köhler" userId="13abbf2dbdebdc1d" providerId="LiveId" clId="{35D17A59-3E8A-4628-834E-1D2769FB4329}"/>
     <pc:docChg chg="custSel addSld delSld modSld">
       <pc:chgData name="Tommy Köhler" userId="13abbf2dbdebdc1d" providerId="LiveId" clId="{35D17A59-3E8A-4628-834E-1D2769FB4329}" dt="2023-05-19T19:32:14.236" v="2420" actId="2696"/>
@@ -2311,6 +2360,94 @@
     <p:extLst>
       <p:ext uri="{BB962C8B-B14F-4D97-AF65-F5344CB8AC3E}">
         <p14:creationId xmlns:p14="http://schemas.microsoft.com/office/powerpoint/2010/main" val="499954532"/>
+      </p:ext>
+    </p:extLst>
+  </p:cSld>
+  <p:clrMapOvr>
+    <a:masterClrMapping/>
+  </p:clrMapOvr>
+</p:notes>
+</file>
+
+<file path=ppt/notesSlides/notesSlide11.xml><?xml version="1.0" encoding="utf-8"?>
+<p:notes xmlns:a="http://schemas.openxmlformats.org/drawingml/2006/main" xmlns:r="http://schemas.openxmlformats.org/officeDocument/2006/relationships" xmlns:p="http://schemas.openxmlformats.org/presentationml/2006/main">
+  <p:cSld>
+    <p:spTree>
+      <p:nvGrpSpPr>
+        <p:cNvPr id="1" name=""/>
+        <p:cNvGrpSpPr/>
+        <p:nvPr/>
+      </p:nvGrpSpPr>
+      <p:grpSpPr>
+        <a:xfrm>
+          <a:off x="0" y="0"/>
+          <a:ext cx="0" cy="0"/>
+          <a:chOff x="0" y="0"/>
+          <a:chExt cx="0" cy="0"/>
+        </a:xfrm>
+      </p:grpSpPr>
+      <p:sp>
+        <p:nvSpPr>
+          <p:cNvPr id="2" name="Folienbildplatzhalter 1"/>
+          <p:cNvSpPr>
+            <a:spLocks noGrp="1" noRot="1" noChangeAspect="1"/>
+          </p:cNvSpPr>
+          <p:nvPr>
+            <p:ph type="sldImg"/>
+          </p:nvPr>
+        </p:nvSpPr>
+        <p:spPr/>
+      </p:sp>
+      <p:sp>
+        <p:nvSpPr>
+          <p:cNvPr id="3" name="Notizenplatzhalter 2"/>
+          <p:cNvSpPr>
+            <a:spLocks noGrp="1"/>
+          </p:cNvSpPr>
+          <p:nvPr>
+            <p:ph type="body" idx="1"/>
+          </p:nvPr>
+        </p:nvSpPr>
+        <p:spPr/>
+        <p:txBody>
+          <a:bodyPr/>
+          <a:lstStyle/>
+          <a:p>
+            <a:pPr marL="0" indent="0">
+              <a:buFontTx/>
+              <a:buNone/>
+            </a:pPr>
+            <a:endParaRPr lang="de-DE" dirty="0"/>
+          </a:p>
+        </p:txBody>
+      </p:sp>
+      <p:sp>
+        <p:nvSpPr>
+          <p:cNvPr id="4" name="Foliennummernplatzhalter 3"/>
+          <p:cNvSpPr>
+            <a:spLocks noGrp="1"/>
+          </p:cNvSpPr>
+          <p:nvPr>
+            <p:ph type="sldNum" sz="quarter" idx="5"/>
+          </p:nvPr>
+        </p:nvSpPr>
+        <p:spPr/>
+        <p:txBody>
+          <a:bodyPr/>
+          <a:lstStyle/>
+          <a:p>
+            <a:fld id="{6D35749E-5A51-4748-A8E2-D4A8A46ED705}" type="slidenum">
+              <a:rPr lang="de-DE" smtClean="0"/>
+              <a:t>12</a:t>
+            </a:fld>
+            <a:endParaRPr lang="de-DE"/>
+          </a:p>
+        </p:txBody>
+      </p:sp>
+    </p:spTree>
+    <p:extLst>
+      <p:ext uri="{BB962C8B-B14F-4D97-AF65-F5344CB8AC3E}">
+        <p14:creationId xmlns:p14="http://schemas.microsoft.com/office/powerpoint/2010/main" val="3055210907"/>
       </p:ext>
     </p:extLst>
   </p:cSld>
@@ -6590,6 +6727,192 @@
       </p:grpSpPr>
       <p:sp>
         <p:nvSpPr>
+          <p:cNvPr id="2" name="Titel 1">
+            <a:extLst>
+              <a:ext uri="{FF2B5EF4-FFF2-40B4-BE49-F238E27FC236}">
+                <a16:creationId xmlns:a16="http://schemas.microsoft.com/office/drawing/2014/main" id="{825D129C-A6AB-4D53-AD31-B3843FB261CA}"/>
+              </a:ext>
+            </a:extLst>
+          </p:cNvPr>
+          <p:cNvSpPr>
+            <a:spLocks noGrp="1"/>
+          </p:cNvSpPr>
+          <p:nvPr>
+            <p:ph type="title"/>
+          </p:nvPr>
+        </p:nvSpPr>
+        <p:spPr>
+          <a:xfrm>
+            <a:off x="756459" y="445478"/>
+            <a:ext cx="9144000" cy="613480"/>
+          </a:xfrm>
+        </p:spPr>
+        <p:txBody>
+          <a:bodyPr/>
+          <a:lstStyle/>
+          <a:p>
+            <a:r>
+              <a:rPr lang="de-DE" dirty="0" err="1"/>
+              <a:t>KanBan</a:t>
+            </a:r>
+            <a:endParaRPr lang="de-DE" dirty="0"/>
+          </a:p>
+        </p:txBody>
+      </p:sp>
+      <p:sp>
+        <p:nvSpPr>
+          <p:cNvPr id="4" name="Datumsplatzhalter 3">
+            <a:extLst>
+              <a:ext uri="{FF2B5EF4-FFF2-40B4-BE49-F238E27FC236}">
+                <a16:creationId xmlns:a16="http://schemas.microsoft.com/office/drawing/2014/main" id="{377D3CB0-C2A1-4514-9053-C0CCCA012BB6}"/>
+              </a:ext>
+            </a:extLst>
+          </p:cNvPr>
+          <p:cNvSpPr>
+            <a:spLocks noGrp="1"/>
+          </p:cNvSpPr>
+          <p:nvPr>
+            <p:ph type="dt" sz="half" idx="10"/>
+          </p:nvPr>
+        </p:nvSpPr>
+        <p:spPr/>
+        <p:txBody>
+          <a:bodyPr/>
+          <a:lstStyle/>
+          <a:p>
+            <a:fld id="{568A7600-4F92-4451-B286-8BA7D1689D27}" type="datetime1">
+              <a:rPr lang="de-DE" smtClean="0"/>
+              <a:t>09.11.2023</a:t>
+            </a:fld>
+            <a:endParaRPr lang="de-DE" dirty="0"/>
+          </a:p>
+        </p:txBody>
+      </p:sp>
+      <p:sp>
+        <p:nvSpPr>
+          <p:cNvPr id="5" name="Fußzeilenplatzhalter 4">
+            <a:extLst>
+              <a:ext uri="{FF2B5EF4-FFF2-40B4-BE49-F238E27FC236}">
+                <a16:creationId xmlns:a16="http://schemas.microsoft.com/office/drawing/2014/main" id="{31EDC7BB-BC46-4033-83B9-1E3918D34D22}"/>
+              </a:ext>
+            </a:extLst>
+          </p:cNvPr>
+          <p:cNvSpPr>
+            <a:spLocks noGrp="1"/>
+          </p:cNvSpPr>
+          <p:nvPr>
+            <p:ph type="ftr" sz="quarter" idx="11"/>
+          </p:nvPr>
+        </p:nvSpPr>
+        <p:spPr/>
+        <p:txBody>
+          <a:bodyPr/>
+          <a:lstStyle/>
+          <a:p>
+            <a:r>
+              <a:rPr lang="de-DE" dirty="0"/>
+              <a:t>Tommy Köhler – PIB21</a:t>
+            </a:r>
+          </a:p>
+        </p:txBody>
+      </p:sp>
+      <p:sp>
+        <p:nvSpPr>
+          <p:cNvPr id="6" name="Foliennummernplatzhalter 5">
+            <a:extLst>
+              <a:ext uri="{FF2B5EF4-FFF2-40B4-BE49-F238E27FC236}">
+                <a16:creationId xmlns:a16="http://schemas.microsoft.com/office/drawing/2014/main" id="{9F56EB5F-B09D-43A5-B24D-7409787FCCBA}"/>
+              </a:ext>
+            </a:extLst>
+          </p:cNvPr>
+          <p:cNvSpPr>
+            <a:spLocks noGrp="1"/>
+          </p:cNvSpPr>
+          <p:nvPr>
+            <p:ph type="sldNum" sz="quarter" idx="12"/>
+          </p:nvPr>
+        </p:nvSpPr>
+        <p:spPr/>
+        <p:txBody>
+          <a:bodyPr/>
+          <a:lstStyle/>
+          <a:p>
+            <a:fld id="{095251B2-A340-444F-BF1D-3544BFFD6122}" type="slidenum">
+              <a:rPr lang="de-DE" smtClean="0"/>
+              <a:pPr/>
+              <a:t>12</a:t>
+            </a:fld>
+            <a:endParaRPr lang="de-DE"/>
+          </a:p>
+        </p:txBody>
+      </p:sp>
+      <p:pic>
+        <p:nvPicPr>
+          <p:cNvPr id="8" name="Grafik 7">
+            <a:extLst>
+              <a:ext uri="{FF2B5EF4-FFF2-40B4-BE49-F238E27FC236}">
+                <a16:creationId xmlns:a16="http://schemas.microsoft.com/office/drawing/2014/main" id="{B3B0E579-A214-428F-9548-B3A9B5E3F446}"/>
+              </a:ext>
+            </a:extLst>
+          </p:cNvPr>
+          <p:cNvPicPr>
+            <a:picLocks noChangeAspect="1"/>
+          </p:cNvPicPr>
+          <p:nvPr/>
+        </p:nvPicPr>
+        <p:blipFill>
+          <a:blip r:embed="rId3">
+            <a:extLst>
+              <a:ext uri="{28A0092B-C50C-407E-A947-70E740481C1C}">
+                <a14:useLocalDpi xmlns:a14="http://schemas.microsoft.com/office/drawing/2010/main" val="0"/>
+              </a:ext>
+            </a:extLst>
+          </a:blip>
+          <a:srcRect/>
+          <a:stretch/>
+        </p:blipFill>
+        <p:spPr>
+          <a:xfrm>
+            <a:off x="756459" y="1164520"/>
+            <a:ext cx="7977074" cy="4915906"/>
+          </a:xfrm>
+          <a:prstGeom prst="rect">
+            <a:avLst/>
+          </a:prstGeom>
+        </p:spPr>
+      </p:pic>
+    </p:spTree>
+    <p:extLst>
+      <p:ext uri="{BB962C8B-B14F-4D97-AF65-F5344CB8AC3E}">
+        <p14:creationId xmlns:p14="http://schemas.microsoft.com/office/powerpoint/2010/main" val="71559873"/>
+      </p:ext>
+    </p:extLst>
+  </p:cSld>
+  <p:clrMapOvr>
+    <a:masterClrMapping/>
+  </p:clrMapOvr>
+</p:sld>
+</file>
+
+<file path=ppt/slides/slide13.xml><?xml version="1.0" encoding="utf-8"?>
+<p:sld xmlns:a="http://schemas.openxmlformats.org/drawingml/2006/main" xmlns:r="http://schemas.openxmlformats.org/officeDocument/2006/relationships" xmlns:p="http://schemas.openxmlformats.org/presentationml/2006/main">
+  <p:cSld>
+    <p:spTree>
+      <p:nvGrpSpPr>
+        <p:cNvPr id="1" name=""/>
+        <p:cNvGrpSpPr/>
+        <p:nvPr/>
+      </p:nvGrpSpPr>
+      <p:grpSpPr>
+        <a:xfrm>
+          <a:off x="0" y="0"/>
+          <a:ext cx="0" cy="0"/>
+          <a:chOff x="0" y="0"/>
+          <a:chExt cx="0" cy="0"/>
+        </a:xfrm>
+      </p:grpSpPr>
+      <p:sp>
+        <p:nvSpPr>
           <p:cNvPr id="7" name="Titel 6">
             <a:extLst>
               <a:ext uri="{FF2B5EF4-FFF2-40B4-BE49-F238E27FC236}">
@@ -6746,7 +7069,7 @@
             <a:fld id="{095251B2-A340-444F-BF1D-3544BFFD6122}" type="slidenum">
               <a:rPr lang="de-DE" smtClean="0"/>
               <a:pPr/>
-              <a:t>12</a:t>
+              <a:t>13</a:t>
             </a:fld>
             <a:endParaRPr lang="de-DE"/>
           </a:p>
@@ -15167,21 +15490,6 @@
 </file>
 
 <file path=customXml/item1.xml><?xml version="1.0" encoding="utf-8"?>
-<?mso-contentType ?>
-<FormTemplates xmlns="http://schemas.microsoft.com/sharepoint/v3/contenttype/forms">
-  <Display>DocumentLibraryForm</Display>
-  <Edit>DocumentLibraryForm</Edit>
-  <New>DocumentLibraryForm</New>
-</FormTemplates>
-</file>
-
-<file path=customXml/item2.xml><?xml version="1.0" encoding="utf-8"?>
-<p:properties xmlns:p="http://schemas.microsoft.com/office/2006/metadata/properties" xmlns:xsi="http://www.w3.org/2001/XMLSchema-instance" xmlns:pc="http://schemas.microsoft.com/office/infopath/2007/PartnerControls">
-  <documentManagement/>
-</p:properties>
-</file>
-
-<file path=customXml/item3.xml><?xml version="1.0" encoding="utf-8"?>
 <ct:contentTypeSchema xmlns:ct="http://schemas.microsoft.com/office/2006/metadata/contentType" xmlns:ma="http://schemas.microsoft.com/office/2006/metadata/properties/metaAttributes" ct:_="" ma:_="" ma:contentTypeName="Dokument" ma:contentTypeID="0x0101009096CD42920AAE4685895CB2EC9BDB65" ma:contentTypeVersion="2" ma:contentTypeDescription="Ein neues Dokument erstellen." ma:contentTypeScope="" ma:versionID="5bd68a67dd72b368e778fb7cee76e7c9">
   <xsd:schema xmlns:xsd="http://www.w3.org/2001/XMLSchema" xmlns:xs="http://www.w3.org/2001/XMLSchema" xmlns:p="http://schemas.microsoft.com/office/2006/metadata/properties" xmlns:ns2="60f41234-344d-4004-9822-65ac623e983b" targetNamespace="http://schemas.microsoft.com/office/2006/metadata/properties" ma:root="true" ma:fieldsID="c756a40b004298331ab47f99841186ea" ns2:_="">
     <xsd:import namespace="60f41234-344d-4004-9822-65ac623e983b"/>
@@ -15313,10 +15621,35 @@
 </ct:contentTypeSchema>
 </file>
 
+<file path=customXml/item2.xml><?xml version="1.0" encoding="utf-8"?>
+<p:properties xmlns:p="http://schemas.microsoft.com/office/2006/metadata/properties" xmlns:xsi="http://www.w3.org/2001/XMLSchema-instance" xmlns:pc="http://schemas.microsoft.com/office/infopath/2007/PartnerControls">
+  <documentManagement/>
+</p:properties>
+</file>
+
+<file path=customXml/item3.xml><?xml version="1.0" encoding="utf-8"?>
+<?mso-contentType ?>
+<FormTemplates xmlns="http://schemas.microsoft.com/sharepoint/v3/contenttype/forms">
+  <Display>DocumentLibraryForm</Display>
+  <Edit>DocumentLibraryForm</Edit>
+  <New>DocumentLibraryForm</New>
+</FormTemplates>
+</file>
+
 <file path=customXml/itemProps1.xml><?xml version="1.0" encoding="utf-8"?>
-<ds:datastoreItem xmlns:ds="http://schemas.openxmlformats.org/officeDocument/2006/customXml" ds:itemID="{3F034FD5-018A-4D6C-9CCA-2241FFF930FC}">
+<ds:datastoreItem xmlns:ds="http://schemas.openxmlformats.org/officeDocument/2006/customXml" ds:itemID="{37551746-E04A-40DF-89F4-80430C660B85}">
   <ds:schemaRefs>
-    <ds:schemaRef ds:uri="http://schemas.microsoft.com/sharepoint/v3/contenttype/forms"/>
+    <ds:schemaRef ds:uri="http://schemas.microsoft.com/office/2006/metadata/contentType"/>
+    <ds:schemaRef ds:uri="http://schemas.microsoft.com/office/2006/metadata/properties/metaAttributes"/>
+    <ds:schemaRef ds:uri="http://www.w3.org/2001/XMLSchema"/>
+    <ds:schemaRef ds:uri="http://schemas.microsoft.com/office/2006/metadata/properties"/>
+    <ds:schemaRef ds:uri="60f41234-344d-4004-9822-65ac623e983b"/>
+    <ds:schemaRef ds:uri="http://schemas.microsoft.com/office/2006/documentManagement/types"/>
+    <ds:schemaRef ds:uri="http://schemas.microsoft.com/office/infopath/2007/PartnerControls"/>
+    <ds:schemaRef ds:uri="http://schemas.openxmlformats.org/package/2006/metadata/core-properties"/>
+    <ds:schemaRef ds:uri="http://purl.org/dc/elements/1.1/"/>
+    <ds:schemaRef ds:uri="http://purl.org/dc/terms/"/>
+    <ds:schemaRef ds:uri="http://schemas.microsoft.com/internal/obd"/>
   </ds:schemaRefs>
 </ds:datastoreItem>
 </file>
@@ -15339,19 +15672,9 @@
 </file>
 
 <file path=customXml/itemProps3.xml><?xml version="1.0" encoding="utf-8"?>
-<ds:datastoreItem xmlns:ds="http://schemas.openxmlformats.org/officeDocument/2006/customXml" ds:itemID="{37551746-E04A-40DF-89F4-80430C660B85}">
+<ds:datastoreItem xmlns:ds="http://schemas.openxmlformats.org/officeDocument/2006/customXml" ds:itemID="{3F034FD5-018A-4D6C-9CCA-2241FFF930FC}">
   <ds:schemaRefs>
-    <ds:schemaRef ds:uri="http://schemas.microsoft.com/office/2006/metadata/contentType"/>
-    <ds:schemaRef ds:uri="http://schemas.microsoft.com/office/2006/metadata/properties/metaAttributes"/>
-    <ds:schemaRef ds:uri="http://www.w3.org/2001/XMLSchema"/>
-    <ds:schemaRef ds:uri="http://schemas.microsoft.com/office/2006/metadata/properties"/>
-    <ds:schemaRef ds:uri="60f41234-344d-4004-9822-65ac623e983b"/>
-    <ds:schemaRef ds:uri="http://schemas.microsoft.com/office/2006/documentManagement/types"/>
-    <ds:schemaRef ds:uri="http://schemas.microsoft.com/office/infopath/2007/PartnerControls"/>
-    <ds:schemaRef ds:uri="http://schemas.openxmlformats.org/package/2006/metadata/core-properties"/>
-    <ds:schemaRef ds:uri="http://purl.org/dc/elements/1.1/"/>
-    <ds:schemaRef ds:uri="http://purl.org/dc/terms/"/>
-    <ds:schemaRef ds:uri="http://schemas.microsoft.com/internal/obd"/>
+    <ds:schemaRef ds:uri="http://schemas.microsoft.com/sharepoint/v3/contenttype/forms"/>
   </ds:schemaRefs>
 </ds:datastoreItem>
 </file>